--- a/pics/MCP.pptx
+++ b/pics/MCP.pptx
@@ -104,6 +104,11 @@
       </a:defRPr>
     </a:lvl9pPr>
   </p:defaultTextStyle>
+  <p:extLst>
+    <p:ext uri="{EFAFB233-063F-42B5-8137-9DF3F51BA10A}">
+      <p15:sldGuideLst xmlns:p15="http://schemas.microsoft.com/office/powerpoint/2012/main"/>
+    </p:ext>
+  </p:extLst>
 </p:presentation>
 </file>
 
@@ -256,7 +261,7 @@
           <a:p>
             <a:fld id="{FC1D4A69-43A6-4859-99E4-99576E20F7B3}" type="datetimeFigureOut">
               <a:rPr lang="en-GB" smtClean="0"/>
-              <a:t>13/03/2018</a:t>
+              <a:t>18/07/2019</a:t>
             </a:fld>
             <a:endParaRPr lang="en-GB"/>
           </a:p>
@@ -456,7 +461,7 @@
           <a:p>
             <a:fld id="{FC1D4A69-43A6-4859-99E4-99576E20F7B3}" type="datetimeFigureOut">
               <a:rPr lang="en-GB" smtClean="0"/>
-              <a:t>13/03/2018</a:t>
+              <a:t>18/07/2019</a:t>
             </a:fld>
             <a:endParaRPr lang="en-GB"/>
           </a:p>
@@ -666,7 +671,7 @@
           <a:p>
             <a:fld id="{FC1D4A69-43A6-4859-99E4-99576E20F7B3}" type="datetimeFigureOut">
               <a:rPr lang="en-GB" smtClean="0"/>
-              <a:t>13/03/2018</a:t>
+              <a:t>18/07/2019</a:t>
             </a:fld>
             <a:endParaRPr lang="en-GB"/>
           </a:p>
@@ -866,7 +871,7 @@
           <a:p>
             <a:fld id="{FC1D4A69-43A6-4859-99E4-99576E20F7B3}" type="datetimeFigureOut">
               <a:rPr lang="en-GB" smtClean="0"/>
-              <a:t>13/03/2018</a:t>
+              <a:t>18/07/2019</a:t>
             </a:fld>
             <a:endParaRPr lang="en-GB"/>
           </a:p>
@@ -1142,7 +1147,7 @@
           <a:p>
             <a:fld id="{FC1D4A69-43A6-4859-99E4-99576E20F7B3}" type="datetimeFigureOut">
               <a:rPr lang="en-GB" smtClean="0"/>
-              <a:t>13/03/2018</a:t>
+              <a:t>18/07/2019</a:t>
             </a:fld>
             <a:endParaRPr lang="en-GB"/>
           </a:p>
@@ -1410,7 +1415,7 @@
           <a:p>
             <a:fld id="{FC1D4A69-43A6-4859-99E4-99576E20F7B3}" type="datetimeFigureOut">
               <a:rPr lang="en-GB" smtClean="0"/>
-              <a:t>13/03/2018</a:t>
+              <a:t>18/07/2019</a:t>
             </a:fld>
             <a:endParaRPr lang="en-GB"/>
           </a:p>
@@ -1825,7 +1830,7 @@
           <a:p>
             <a:fld id="{FC1D4A69-43A6-4859-99E4-99576E20F7B3}" type="datetimeFigureOut">
               <a:rPr lang="en-GB" smtClean="0"/>
-              <a:t>13/03/2018</a:t>
+              <a:t>18/07/2019</a:t>
             </a:fld>
             <a:endParaRPr lang="en-GB"/>
           </a:p>
@@ -1967,7 +1972,7 @@
           <a:p>
             <a:fld id="{FC1D4A69-43A6-4859-99E4-99576E20F7B3}" type="datetimeFigureOut">
               <a:rPr lang="en-GB" smtClean="0"/>
-              <a:t>13/03/2018</a:t>
+              <a:t>18/07/2019</a:t>
             </a:fld>
             <a:endParaRPr lang="en-GB"/>
           </a:p>
@@ -2080,7 +2085,7 @@
           <a:p>
             <a:fld id="{FC1D4A69-43A6-4859-99E4-99576E20F7B3}" type="datetimeFigureOut">
               <a:rPr lang="en-GB" smtClean="0"/>
-              <a:t>13/03/2018</a:t>
+              <a:t>18/07/2019</a:t>
             </a:fld>
             <a:endParaRPr lang="en-GB"/>
           </a:p>
@@ -2393,7 +2398,7 @@
           <a:p>
             <a:fld id="{FC1D4A69-43A6-4859-99E4-99576E20F7B3}" type="datetimeFigureOut">
               <a:rPr lang="en-GB" smtClean="0"/>
-              <a:t>13/03/2018</a:t>
+              <a:t>18/07/2019</a:t>
             </a:fld>
             <a:endParaRPr lang="en-GB"/>
           </a:p>
@@ -2682,7 +2687,7 @@
           <a:p>
             <a:fld id="{FC1D4A69-43A6-4859-99E4-99576E20F7B3}" type="datetimeFigureOut">
               <a:rPr lang="en-GB" smtClean="0"/>
-              <a:t>13/03/2018</a:t>
+              <a:t>18/07/2019</a:t>
             </a:fld>
             <a:endParaRPr lang="en-GB"/>
           </a:p>
@@ -2925,7 +2930,7 @@
           <a:p>
             <a:fld id="{FC1D4A69-43A6-4859-99E4-99576E20F7B3}" type="datetimeFigureOut">
               <a:rPr lang="en-GB" smtClean="0"/>
-              <a:t>13/03/2018</a:t>
+              <a:t>18/07/2019</a:t>
             </a:fld>
             <a:endParaRPr lang="en-GB"/>
           </a:p>
@@ -6235,13 +6240,13 @@
           </a:ln>
         </p:spPr>
         <p:style>
-          <a:lnRef idx="2">
+          <a:lnRef idx="3">
             <a:schemeClr val="dk1"/>
           </a:lnRef>
           <a:fillRef idx="0">
             <a:schemeClr val="dk1"/>
           </a:fillRef>
-          <a:effectRef idx="1">
+          <a:effectRef idx="2">
             <a:schemeClr val="dk1"/>
           </a:effectRef>
           <a:fontRef idx="minor">
@@ -6372,13 +6377,13 @@
           </a:ln>
         </p:spPr>
         <p:style>
-          <a:lnRef idx="2">
+          <a:lnRef idx="3">
             <a:schemeClr val="dk1"/>
           </a:lnRef>
           <a:fillRef idx="0">
             <a:schemeClr val="dk1"/>
           </a:fillRef>
-          <a:effectRef idx="1">
+          <a:effectRef idx="2">
             <a:schemeClr val="dk1"/>
           </a:effectRef>
           <a:fontRef idx="minor">
@@ -6465,6 +6470,593 @@
             <a:r>
               <a:rPr lang="es-ES" sz="1600" dirty="0" err="1"/>
               <a:t>signal</a:t>
+            </a:r>
+            <a:endParaRPr lang="en-GB" sz="1600" dirty="0"/>
+          </a:p>
+        </p:txBody>
+      </p:sp>
+      <p:cxnSp>
+        <p:nvCxnSpPr>
+          <p:cNvPr id="5" name="Straight Connector 4">
+            <a:extLst>
+              <a:ext uri="{FF2B5EF4-FFF2-40B4-BE49-F238E27FC236}">
+                <a16:creationId xmlns:a16="http://schemas.microsoft.com/office/drawing/2014/main" id="{32EAB74E-0C19-405D-8538-673FB50A6E5B}"/>
+              </a:ext>
+            </a:extLst>
+          </p:cNvPr>
+          <p:cNvCxnSpPr>
+            <a:stCxn id="59" idx="2"/>
+          </p:cNvCxnSpPr>
+          <p:nvPr/>
+        </p:nvCxnSpPr>
+        <p:spPr>
+          <a:xfrm flipH="1">
+            <a:off x="2015231" y="3934192"/>
+            <a:ext cx="562380" cy="7493"/>
+          </a:xfrm>
+          <a:prstGeom prst="line">
+            <a:avLst/>
+          </a:prstGeom>
+        </p:spPr>
+        <p:style>
+          <a:lnRef idx="2">
+            <a:schemeClr val="dk1"/>
+          </a:lnRef>
+          <a:fillRef idx="0">
+            <a:schemeClr val="dk1"/>
+          </a:fillRef>
+          <a:effectRef idx="1">
+            <a:schemeClr val="dk1"/>
+          </a:effectRef>
+          <a:fontRef idx="minor">
+            <a:schemeClr val="tx1"/>
+          </a:fontRef>
+        </p:style>
+      </p:cxnSp>
+      <p:cxnSp>
+        <p:nvCxnSpPr>
+          <p:cNvPr id="96" name="Straight Connector 95">
+            <a:extLst>
+              <a:ext uri="{FF2B5EF4-FFF2-40B4-BE49-F238E27FC236}">
+                <a16:creationId xmlns:a16="http://schemas.microsoft.com/office/drawing/2014/main" id="{66EA4CAD-B4A3-466B-BB97-C6C7CD779FF5}"/>
+              </a:ext>
+            </a:extLst>
+          </p:cNvPr>
+          <p:cNvCxnSpPr>
+            <a:cxnSpLocks/>
+          </p:cNvCxnSpPr>
+          <p:nvPr/>
+        </p:nvCxnSpPr>
+        <p:spPr>
+          <a:xfrm>
+            <a:off x="2015231" y="3939291"/>
+            <a:ext cx="1" cy="152964"/>
+          </a:xfrm>
+          <a:prstGeom prst="line">
+            <a:avLst/>
+          </a:prstGeom>
+        </p:spPr>
+        <p:style>
+          <a:lnRef idx="2">
+            <a:schemeClr val="dk1"/>
+          </a:lnRef>
+          <a:fillRef idx="0">
+            <a:schemeClr val="dk1"/>
+          </a:fillRef>
+          <a:effectRef idx="1">
+            <a:schemeClr val="dk1"/>
+          </a:effectRef>
+          <a:fontRef idx="minor">
+            <a:schemeClr val="tx1"/>
+          </a:fontRef>
+        </p:style>
+      </p:cxnSp>
+      <p:grpSp>
+        <p:nvGrpSpPr>
+          <p:cNvPr id="56" name="Group 55">
+            <a:extLst>
+              <a:ext uri="{FF2B5EF4-FFF2-40B4-BE49-F238E27FC236}">
+                <a16:creationId xmlns:a16="http://schemas.microsoft.com/office/drawing/2014/main" id="{93B50EEC-6D18-4A31-8E4D-32545470B857}"/>
+              </a:ext>
+            </a:extLst>
+          </p:cNvPr>
+          <p:cNvGrpSpPr/>
+          <p:nvPr/>
+        </p:nvGrpSpPr>
+        <p:grpSpPr>
+          <a:xfrm>
+            <a:off x="1952723" y="4089716"/>
+            <a:ext cx="152964" cy="464983"/>
+            <a:chOff x="1949410" y="4086403"/>
+            <a:chExt cx="152964" cy="464983"/>
+          </a:xfrm>
+        </p:grpSpPr>
+        <p:cxnSp>
+          <p:nvCxnSpPr>
+            <p:cNvPr id="97" name="Straight Connector 96">
+              <a:extLst>
+                <a:ext uri="{FF2B5EF4-FFF2-40B4-BE49-F238E27FC236}">
+                  <a16:creationId xmlns:a16="http://schemas.microsoft.com/office/drawing/2014/main" id="{5FBCF6C4-F91F-4703-87F3-698E088C5A69}"/>
+                </a:ext>
+              </a:extLst>
+            </p:cNvPr>
+            <p:cNvCxnSpPr>
+              <a:cxnSpLocks/>
+            </p:cNvCxnSpPr>
+            <p:nvPr/>
+          </p:nvCxnSpPr>
+          <p:spPr>
+            <a:xfrm rot="3600000">
+              <a:off x="2025891" y="4096890"/>
+              <a:ext cx="1" cy="152964"/>
+            </a:xfrm>
+            <a:prstGeom prst="line">
+              <a:avLst/>
+            </a:prstGeom>
+          </p:spPr>
+          <p:style>
+            <a:lnRef idx="2">
+              <a:schemeClr val="dk1"/>
+            </a:lnRef>
+            <a:fillRef idx="0">
+              <a:schemeClr val="dk1"/>
+            </a:fillRef>
+            <a:effectRef idx="1">
+              <a:schemeClr val="dk1"/>
+            </a:effectRef>
+            <a:fontRef idx="minor">
+              <a:schemeClr val="tx1"/>
+            </a:fontRef>
+          </p:style>
+        </p:cxnSp>
+        <p:cxnSp>
+          <p:nvCxnSpPr>
+            <p:cNvPr id="99" name="Straight Connector 98">
+              <a:extLst>
+                <a:ext uri="{FF2B5EF4-FFF2-40B4-BE49-F238E27FC236}">
+                  <a16:creationId xmlns:a16="http://schemas.microsoft.com/office/drawing/2014/main" id="{F92908CE-0EF6-4918-8000-9A4060EA6404}"/>
+                </a:ext>
+              </a:extLst>
+            </p:cNvPr>
+            <p:cNvCxnSpPr>
+              <a:cxnSpLocks/>
+            </p:cNvCxnSpPr>
+            <p:nvPr/>
+          </p:nvCxnSpPr>
+          <p:spPr>
+            <a:xfrm rot="3600000">
+              <a:off x="2025891" y="4251485"/>
+              <a:ext cx="1" cy="152964"/>
+            </a:xfrm>
+            <a:prstGeom prst="line">
+              <a:avLst/>
+            </a:prstGeom>
+          </p:spPr>
+          <p:style>
+            <a:lnRef idx="2">
+              <a:schemeClr val="dk1"/>
+            </a:lnRef>
+            <a:fillRef idx="0">
+              <a:schemeClr val="dk1"/>
+            </a:fillRef>
+            <a:effectRef idx="1">
+              <a:schemeClr val="dk1"/>
+            </a:effectRef>
+            <a:fontRef idx="minor">
+              <a:schemeClr val="tx1"/>
+            </a:fontRef>
+          </p:style>
+        </p:cxnSp>
+        <p:cxnSp>
+          <p:nvCxnSpPr>
+            <p:cNvPr id="101" name="Straight Connector 100">
+              <a:extLst>
+                <a:ext uri="{FF2B5EF4-FFF2-40B4-BE49-F238E27FC236}">
+                  <a16:creationId xmlns:a16="http://schemas.microsoft.com/office/drawing/2014/main" id="{D30C355D-B718-433F-87D4-BC0651F19DC5}"/>
+                </a:ext>
+              </a:extLst>
+            </p:cNvPr>
+            <p:cNvCxnSpPr>
+              <a:cxnSpLocks/>
+            </p:cNvCxnSpPr>
+            <p:nvPr/>
+          </p:nvCxnSpPr>
+          <p:spPr>
+            <a:xfrm rot="3600000">
+              <a:off x="2025891" y="4403886"/>
+              <a:ext cx="1" cy="152964"/>
+            </a:xfrm>
+            <a:prstGeom prst="line">
+              <a:avLst/>
+            </a:prstGeom>
+          </p:spPr>
+          <p:style>
+            <a:lnRef idx="2">
+              <a:schemeClr val="dk1"/>
+            </a:lnRef>
+            <a:fillRef idx="0">
+              <a:schemeClr val="dk1"/>
+            </a:fillRef>
+            <a:effectRef idx="1">
+              <a:schemeClr val="dk1"/>
+            </a:effectRef>
+            <a:fontRef idx="minor">
+              <a:schemeClr val="tx1"/>
+            </a:fontRef>
+          </p:style>
+        </p:cxnSp>
+        <p:cxnSp>
+          <p:nvCxnSpPr>
+            <p:cNvPr id="104" name="Straight Connector 103">
+              <a:extLst>
+                <a:ext uri="{FF2B5EF4-FFF2-40B4-BE49-F238E27FC236}">
+                  <a16:creationId xmlns:a16="http://schemas.microsoft.com/office/drawing/2014/main" id="{125FFC0C-529B-4D31-9A11-D656DB00B116}"/>
+                </a:ext>
+              </a:extLst>
+            </p:cNvPr>
+            <p:cNvCxnSpPr>
+              <a:cxnSpLocks/>
+            </p:cNvCxnSpPr>
+            <p:nvPr/>
+          </p:nvCxnSpPr>
+          <p:spPr>
+            <a:xfrm>
+              <a:off x="2007729" y="4086403"/>
+              <a:ext cx="84398" cy="48727"/>
+            </a:xfrm>
+            <a:prstGeom prst="line">
+              <a:avLst/>
+            </a:prstGeom>
+          </p:spPr>
+          <p:style>
+            <a:lnRef idx="2">
+              <a:schemeClr val="dk1"/>
+            </a:lnRef>
+            <a:fillRef idx="0">
+              <a:schemeClr val="dk1"/>
+            </a:fillRef>
+            <a:effectRef idx="1">
+              <a:schemeClr val="dk1"/>
+            </a:effectRef>
+            <a:fontRef idx="minor">
+              <a:schemeClr val="tx1"/>
+            </a:fontRef>
+          </p:style>
+        </p:cxnSp>
+        <p:cxnSp>
+          <p:nvCxnSpPr>
+            <p:cNvPr id="105" name="Straight Connector 104">
+              <a:extLst>
+                <a:ext uri="{FF2B5EF4-FFF2-40B4-BE49-F238E27FC236}">
+                  <a16:creationId xmlns:a16="http://schemas.microsoft.com/office/drawing/2014/main" id="{5D325406-E08C-4583-8632-01A3542A3227}"/>
+                </a:ext>
+              </a:extLst>
+            </p:cNvPr>
+            <p:cNvCxnSpPr>
+              <a:cxnSpLocks/>
+            </p:cNvCxnSpPr>
+            <p:nvPr/>
+          </p:nvCxnSpPr>
+          <p:spPr>
+            <a:xfrm rot="18000000">
+              <a:off x="2025891" y="4175002"/>
+              <a:ext cx="1" cy="152964"/>
+            </a:xfrm>
+            <a:prstGeom prst="line">
+              <a:avLst/>
+            </a:prstGeom>
+          </p:spPr>
+          <p:style>
+            <a:lnRef idx="2">
+              <a:schemeClr val="dk1"/>
+            </a:lnRef>
+            <a:fillRef idx="0">
+              <a:schemeClr val="dk1"/>
+            </a:fillRef>
+            <a:effectRef idx="1">
+              <a:schemeClr val="dk1"/>
+            </a:effectRef>
+            <a:fontRef idx="minor">
+              <a:schemeClr val="tx1"/>
+            </a:fontRef>
+          </p:style>
+        </p:cxnSp>
+        <p:cxnSp>
+          <p:nvCxnSpPr>
+            <p:cNvPr id="106" name="Straight Connector 105">
+              <a:extLst>
+                <a:ext uri="{FF2B5EF4-FFF2-40B4-BE49-F238E27FC236}">
+                  <a16:creationId xmlns:a16="http://schemas.microsoft.com/office/drawing/2014/main" id="{736B08E5-F697-455D-945A-42D255A29C8A}"/>
+                </a:ext>
+              </a:extLst>
+            </p:cNvPr>
+            <p:cNvCxnSpPr>
+              <a:cxnSpLocks/>
+            </p:cNvCxnSpPr>
+            <p:nvPr/>
+          </p:nvCxnSpPr>
+          <p:spPr>
+            <a:xfrm rot="18000000">
+              <a:off x="2025891" y="4327403"/>
+              <a:ext cx="1" cy="152964"/>
+            </a:xfrm>
+            <a:prstGeom prst="line">
+              <a:avLst/>
+            </a:prstGeom>
+          </p:spPr>
+          <p:style>
+            <a:lnRef idx="2">
+              <a:schemeClr val="dk1"/>
+            </a:lnRef>
+            <a:fillRef idx="0">
+              <a:schemeClr val="dk1"/>
+            </a:fillRef>
+            <a:effectRef idx="1">
+              <a:schemeClr val="dk1"/>
+            </a:effectRef>
+            <a:fontRef idx="minor">
+              <a:schemeClr val="tx1"/>
+            </a:fontRef>
+          </p:style>
+        </p:cxnSp>
+        <p:cxnSp>
+          <p:nvCxnSpPr>
+            <p:cNvPr id="107" name="Straight Connector 106">
+              <a:extLst>
+                <a:ext uri="{FF2B5EF4-FFF2-40B4-BE49-F238E27FC236}">
+                  <a16:creationId xmlns:a16="http://schemas.microsoft.com/office/drawing/2014/main" id="{82AE3CB8-4648-4218-B7CD-2839758F3959}"/>
+                </a:ext>
+              </a:extLst>
+            </p:cNvPr>
+            <p:cNvCxnSpPr>
+              <a:cxnSpLocks/>
+            </p:cNvCxnSpPr>
+            <p:nvPr/>
+          </p:nvCxnSpPr>
+          <p:spPr>
+            <a:xfrm>
+              <a:off x="1959656" y="4514575"/>
+              <a:ext cx="63759" cy="36811"/>
+            </a:xfrm>
+            <a:prstGeom prst="line">
+              <a:avLst/>
+            </a:prstGeom>
+          </p:spPr>
+          <p:style>
+            <a:lnRef idx="2">
+              <a:schemeClr val="dk1"/>
+            </a:lnRef>
+            <a:fillRef idx="0">
+              <a:schemeClr val="dk1"/>
+            </a:fillRef>
+            <a:effectRef idx="1">
+              <a:schemeClr val="dk1"/>
+            </a:effectRef>
+            <a:fontRef idx="minor">
+              <a:schemeClr val="tx1"/>
+            </a:fontRef>
+          </p:style>
+        </p:cxnSp>
+      </p:grpSp>
+      <p:cxnSp>
+        <p:nvCxnSpPr>
+          <p:cNvPr id="112" name="Straight Connector 111">
+            <a:extLst>
+              <a:ext uri="{FF2B5EF4-FFF2-40B4-BE49-F238E27FC236}">
+                <a16:creationId xmlns:a16="http://schemas.microsoft.com/office/drawing/2014/main" id="{92F84944-0C69-4625-8884-BBD36F5AEE87}"/>
+              </a:ext>
+            </a:extLst>
+          </p:cNvPr>
+          <p:cNvCxnSpPr>
+            <a:cxnSpLocks/>
+          </p:cNvCxnSpPr>
+          <p:nvPr/>
+        </p:nvCxnSpPr>
+        <p:spPr>
+          <a:xfrm>
+            <a:off x="2023414" y="4551386"/>
+            <a:ext cx="1" cy="152964"/>
+          </a:xfrm>
+          <a:prstGeom prst="line">
+            <a:avLst/>
+          </a:prstGeom>
+        </p:spPr>
+        <p:style>
+          <a:lnRef idx="2">
+            <a:schemeClr val="dk1"/>
+          </a:lnRef>
+          <a:fillRef idx="0">
+            <a:schemeClr val="dk1"/>
+          </a:fillRef>
+          <a:effectRef idx="1">
+            <a:schemeClr val="dk1"/>
+          </a:effectRef>
+          <a:fontRef idx="minor">
+            <a:schemeClr val="tx1"/>
+          </a:fontRef>
+        </p:style>
+      </p:cxnSp>
+      <p:cxnSp>
+        <p:nvCxnSpPr>
+          <p:cNvPr id="114" name="Straight Connector 113">
+            <a:extLst>
+              <a:ext uri="{FF2B5EF4-FFF2-40B4-BE49-F238E27FC236}">
+                <a16:creationId xmlns:a16="http://schemas.microsoft.com/office/drawing/2014/main" id="{513E6D78-0442-4A4F-A03E-9ABEBF9E3C8F}"/>
+              </a:ext>
+            </a:extLst>
+          </p:cNvPr>
+          <p:cNvCxnSpPr>
+            <a:cxnSpLocks/>
+          </p:cNvCxnSpPr>
+          <p:nvPr/>
+        </p:nvCxnSpPr>
+        <p:spPr>
+          <a:xfrm rot="5400000">
+            <a:off x="2024530" y="4627869"/>
+            <a:ext cx="1" cy="152964"/>
+          </a:xfrm>
+          <a:prstGeom prst="line">
+            <a:avLst/>
+          </a:prstGeom>
+        </p:spPr>
+        <p:style>
+          <a:lnRef idx="2">
+            <a:schemeClr val="dk1"/>
+          </a:lnRef>
+          <a:fillRef idx="0">
+            <a:schemeClr val="dk1"/>
+          </a:fillRef>
+          <a:effectRef idx="1">
+            <a:schemeClr val="dk1"/>
+          </a:effectRef>
+          <a:fontRef idx="minor">
+            <a:schemeClr val="tx1"/>
+          </a:fontRef>
+        </p:style>
+      </p:cxnSp>
+      <p:cxnSp>
+        <p:nvCxnSpPr>
+          <p:cNvPr id="115" name="Straight Connector 114">
+            <a:extLst>
+              <a:ext uri="{FF2B5EF4-FFF2-40B4-BE49-F238E27FC236}">
+                <a16:creationId xmlns:a16="http://schemas.microsoft.com/office/drawing/2014/main" id="{61CB50F0-D8ED-4A52-B15C-33EF9CA940F3}"/>
+              </a:ext>
+            </a:extLst>
+          </p:cNvPr>
+          <p:cNvCxnSpPr>
+            <a:cxnSpLocks/>
+          </p:cNvCxnSpPr>
+          <p:nvPr/>
+        </p:nvCxnSpPr>
+        <p:spPr>
+          <a:xfrm flipH="1" flipV="1">
+            <a:off x="1970395" y="4737517"/>
+            <a:ext cx="106038" cy="3"/>
+          </a:xfrm>
+          <a:prstGeom prst="line">
+            <a:avLst/>
+          </a:prstGeom>
+        </p:spPr>
+        <p:style>
+          <a:lnRef idx="2">
+            <a:schemeClr val="dk1"/>
+          </a:lnRef>
+          <a:fillRef idx="0">
+            <a:schemeClr val="dk1"/>
+          </a:fillRef>
+          <a:effectRef idx="1">
+            <a:schemeClr val="dk1"/>
+          </a:effectRef>
+          <a:fontRef idx="minor">
+            <a:schemeClr val="tx1"/>
+          </a:fontRef>
+        </p:style>
+      </p:cxnSp>
+      <p:cxnSp>
+        <p:nvCxnSpPr>
+          <p:cNvPr id="117" name="Straight Connector 116">
+            <a:extLst>
+              <a:ext uri="{FF2B5EF4-FFF2-40B4-BE49-F238E27FC236}">
+                <a16:creationId xmlns:a16="http://schemas.microsoft.com/office/drawing/2014/main" id="{CEC988B9-7A7A-456E-98CC-77435976574C}"/>
+              </a:ext>
+            </a:extLst>
+          </p:cNvPr>
+          <p:cNvCxnSpPr>
+            <a:cxnSpLocks/>
+          </p:cNvCxnSpPr>
+          <p:nvPr/>
+        </p:nvCxnSpPr>
+        <p:spPr>
+          <a:xfrm flipH="1">
+            <a:off x="1994848" y="4770685"/>
+            <a:ext cx="58393" cy="1"/>
+          </a:xfrm>
+          <a:prstGeom prst="line">
+            <a:avLst/>
+          </a:prstGeom>
+        </p:spPr>
+        <p:style>
+          <a:lnRef idx="2">
+            <a:schemeClr val="dk1"/>
+          </a:lnRef>
+          <a:fillRef idx="0">
+            <a:schemeClr val="dk1"/>
+          </a:fillRef>
+          <a:effectRef idx="1">
+            <a:schemeClr val="dk1"/>
+          </a:effectRef>
+          <a:fontRef idx="minor">
+            <a:schemeClr val="tx1"/>
+          </a:fontRef>
+        </p:style>
+      </p:cxnSp>
+      <p:cxnSp>
+        <p:nvCxnSpPr>
+          <p:cNvPr id="119" name="Straight Connector 118">
+            <a:extLst>
+              <a:ext uri="{FF2B5EF4-FFF2-40B4-BE49-F238E27FC236}">
+                <a16:creationId xmlns:a16="http://schemas.microsoft.com/office/drawing/2014/main" id="{EFE4113A-F1DC-44A1-89D0-66FB9AE27228}"/>
+              </a:ext>
+            </a:extLst>
+          </p:cNvPr>
+          <p:cNvCxnSpPr/>
+          <p:nvPr/>
+        </p:nvCxnSpPr>
+        <p:spPr>
+          <a:xfrm flipH="1">
+            <a:off x="2015231" y="3655575"/>
+            <a:ext cx="562380" cy="7493"/>
+          </a:xfrm>
+          <a:prstGeom prst="line">
+            <a:avLst/>
+          </a:prstGeom>
+        </p:spPr>
+        <p:style>
+          <a:lnRef idx="2">
+            <a:schemeClr val="dk1"/>
+          </a:lnRef>
+          <a:fillRef idx="0">
+            <a:schemeClr val="dk1"/>
+          </a:fillRef>
+          <a:effectRef idx="1">
+            <a:schemeClr val="dk1"/>
+          </a:effectRef>
+          <a:fontRef idx="minor">
+            <a:schemeClr val="tx1"/>
+          </a:fontRef>
+        </p:style>
+      </p:cxnSp>
+      <p:sp>
+        <p:nvSpPr>
+          <p:cNvPr id="121" name="TextBox 120">
+            <a:extLst>
+              <a:ext uri="{FF2B5EF4-FFF2-40B4-BE49-F238E27FC236}">
+                <a16:creationId xmlns:a16="http://schemas.microsoft.com/office/drawing/2014/main" id="{5A54EA42-FA85-4055-A4C5-2AE63323C11B}"/>
+              </a:ext>
+            </a:extLst>
+          </p:cNvPr>
+          <p:cNvSpPr txBox="1"/>
+          <p:nvPr/>
+        </p:nvSpPr>
+        <p:spPr>
+          <a:xfrm>
+            <a:off x="1692556" y="3487061"/>
+            <a:ext cx="369337" cy="338554"/>
+          </a:xfrm>
+          <a:prstGeom prst="rect">
+            <a:avLst/>
+          </a:prstGeom>
+          <a:noFill/>
+        </p:spPr>
+        <p:txBody>
+          <a:bodyPr wrap="square" rtlCol="0">
+            <a:spAutoFit/>
+          </a:bodyPr>
+          <a:lstStyle/>
+          <a:p>
+            <a:r>
+              <a:rPr lang="es-ES" sz="1600" dirty="0"/>
+              <a:t>-V</a:t>
             </a:r>
             <a:endParaRPr lang="en-GB" sz="1600" dirty="0"/>
           </a:p>
